--- a/samples/templates/templates1.pptx
+++ b/samples/templates/templates1.pptx
@@ -793,6 +793,46 @@
           </a:p>
         </p:txBody>
       </p:sp>
+      <p:sp>
+        <p:nvSpPr>
+          <p:cNvPr id="5" name="コンテンツ プレースホルダー 4">
+            <a:extLst>
+              <a:ext uri="{FF2B5EF4-FFF2-40B4-BE49-F238E27FC236}">
+                <a16:creationId xmlns:a16="http://schemas.microsoft.com/office/drawing/2014/main" id="{7214F02D-2D38-0E5D-6C46-AEA066F785D6}"/>
+              </a:ext>
+            </a:extLst>
+          </p:cNvPr>
+          <p:cNvSpPr>
+            <a:spLocks noGrp="1"/>
+          </p:cNvSpPr>
+          <p:nvPr>
+            <p:ph sz="quarter" idx="14" hasCustomPrompt="1"/>
+          </p:nvPr>
+        </p:nvSpPr>
+        <p:spPr>
+          <a:xfrm>
+            <a:off x="10784165" y="635330"/>
+            <a:ext cx="914400" cy="914400"/>
+          </a:xfrm>
+        </p:spPr>
+        <p:txBody>
+          <a:bodyPr/>
+          <a:lstStyle>
+            <a:lvl1pPr marL="0" indent="0">
+              <a:buNone/>
+              <a:defRPr/>
+            </a:lvl1pPr>
+          </a:lstStyle>
+          <a:p>
+            <a:pPr lvl="0"/>
+            <a:r>
+              <a:rPr kumimoji="1" lang="en-US" altLang="ja-JP" dirty="0"/>
+              <a:t>logo</a:t>
+            </a:r>
+            <a:endParaRPr kumimoji="1" lang="ja-JP" altLang="en-US"/>
+          </a:p>
+        </p:txBody>
+      </p:sp>
     </p:spTree>
     <p:extLst>
       <p:ext uri="{BB962C8B-B14F-4D97-AF65-F5344CB8AC3E}">
@@ -1738,7 +1778,7 @@
             </a:extLst>
           </p:cNvPr>
           <p:cNvSpPr>
-            <a:spLocks/>
+            <a:spLocks noGrp="1"/>
           </p:cNvSpPr>
           <p:nvPr>
             <p:ph idx="14"/>

--- a/samples/templates/templates1.pptx
+++ b/samples/templates/templates1.pptx
@@ -5,11 +5,8 @@
     <p:sldMasterId id="2147483648" r:id="rId1"/>
   </p:sldMasterIdLst>
   <p:notesMasterIdLst>
-    <p:notesMasterId r:id="rId3"/>
+    <p:notesMasterId r:id="rId2"/>
   </p:notesMasterIdLst>
-  <p:sldIdLst>
-    <p:sldId id="256" r:id="rId2"/>
-  </p:sldIdLst>
   <p:sldSz cx="12192000" cy="6858000"/>
   <p:notesSz cx="6858000" cy="9144000"/>
   <p:defaultTextStyle>
@@ -110,6 +107,9 @@
   <p:extLst>
     <p:ext uri="{EFAFB233-063F-42B5-8137-9DF3F51BA10A}">
       <p15:sldGuideLst xmlns:p15="http://schemas.microsoft.com/office/powerpoint/2012/main"/>
+    </p:ext>
+    <p:ext uri="{2D200454-40CA-4A62-9FC3-DE9A4176ACB9}">
+      <p15:notesGuideLst xmlns:p15="http://schemas.microsoft.com/office/powerpoint/2012/main"/>
     </p:ext>
   </p:extLst>
 </p:presentation>
@@ -811,7 +811,7 @@
         </p:nvSpPr>
         <p:spPr>
           <a:xfrm>
-            <a:off x="10784165" y="635330"/>
+            <a:off x="10965176" y="178130"/>
             <a:ext cx="914400" cy="914400"/>
           </a:xfrm>
         </p:spPr>
@@ -1067,7 +1067,7 @@
         </p:nvSpPr>
         <p:spPr>
           <a:xfrm>
-            <a:off x="312420" y="0"/>
+            <a:off x="2017043" y="1229096"/>
             <a:ext cx="4694586" cy="320634"/>
           </a:xfrm>
         </p:spPr>
@@ -1077,6 +1077,26 @@
           </a:bodyPr>
           <a:lstStyle>
             <a:lvl1pPr marL="0" indent="0">
+              <a:buNone/>
+              <a:defRPr sz="1800">
+                <a:solidFill>
+                  <a:srgbClr val="767676"/>
+                </a:solidFill>
+                <a:latin typeface="Meiryo UI" panose="020B0604030504040204" pitchFamily="34" charset="-128"/>
+                <a:ea typeface="Meiryo UI" panose="020B0604030504040204" pitchFamily="34" charset="-128"/>
+              </a:defRPr>
+            </a:lvl1pPr>
+            <a:lvl2pPr marL="457200" indent="0">
+              <a:buNone/>
+              <a:defRPr sz="2000">
+                <a:solidFill>
+                  <a:schemeClr val="tx1">
+                    <a:tint val="82000"/>
+                  </a:schemeClr>
+                </a:solidFill>
+              </a:defRPr>
+            </a:lvl2pPr>
+            <a:lvl3pPr marL="914400" indent="0">
               <a:buNone/>
               <a:defRPr sz="1800">
                 <a:solidFill>
@@ -1084,28 +1104,6 @@
                     <a:tint val="82000"/>
                   </a:schemeClr>
                 </a:solidFill>
-                <a:latin typeface="Meiryo UI" panose="020B0604030504040204" pitchFamily="34" charset="-128"/>
-                <a:ea typeface="Meiryo UI" panose="020B0604030504040204" pitchFamily="34" charset="-128"/>
-              </a:defRPr>
-            </a:lvl1pPr>
-            <a:lvl2pPr marL="457200" indent="0">
-              <a:buNone/>
-              <a:defRPr sz="2000">
-                <a:solidFill>
-                  <a:schemeClr val="tx1">
-                    <a:tint val="82000"/>
-                  </a:schemeClr>
-                </a:solidFill>
-              </a:defRPr>
-            </a:lvl2pPr>
-            <a:lvl3pPr marL="914400" indent="0">
-              <a:buNone/>
-              <a:defRPr sz="1800">
-                <a:solidFill>
-                  <a:schemeClr val="tx1">
-                    <a:tint val="82000"/>
-                  </a:schemeClr>
-                </a:solidFill>
               </a:defRPr>
             </a:lvl3pPr>
             <a:lvl4pPr marL="1371600" indent="0">
@@ -1183,6 +1181,131 @@
               <a:rPr kumimoji="1" lang="ja-JP" altLang="en-US"/>
               <a:t>の書式設定</a:t>
             </a:r>
+          </a:p>
+        </p:txBody>
+      </p:sp>
+      <p:sp>
+        <p:nvSpPr>
+          <p:cNvPr id="7" name="字幕 2">
+            <a:extLst>
+              <a:ext uri="{FF2B5EF4-FFF2-40B4-BE49-F238E27FC236}">
+                <a16:creationId xmlns:a16="http://schemas.microsoft.com/office/drawing/2014/main" id="{E2C3996E-840E-0D63-ADDD-8028F4E39F1F}"/>
+              </a:ext>
+            </a:extLst>
+          </p:cNvPr>
+          <p:cNvSpPr>
+            <a:spLocks noGrp="1"/>
+          </p:cNvSpPr>
+          <p:nvPr>
+            <p:ph type="subTitle" idx="15" hasCustomPrompt="1"/>
+          </p:nvPr>
+        </p:nvSpPr>
+        <p:spPr>
+          <a:xfrm>
+            <a:off x="312420" y="0"/>
+            <a:ext cx="4694586" cy="320634"/>
+          </a:xfrm>
+        </p:spPr>
+        <p:txBody>
+          <a:bodyPr anchor="b">
+            <a:normAutofit/>
+          </a:bodyPr>
+          <a:lstStyle>
+            <a:lvl1pPr marL="0" indent="0" algn="l">
+              <a:buNone/>
+              <a:defRPr sz="1800">
+                <a:solidFill>
+                  <a:srgbClr val="767676"/>
+                </a:solidFill>
+              </a:defRPr>
+            </a:lvl1pPr>
+            <a:lvl2pPr marL="457200" indent="0" algn="ctr">
+              <a:buNone/>
+              <a:defRPr sz="2000"/>
+            </a:lvl2pPr>
+            <a:lvl3pPr marL="914400" indent="0" algn="ctr">
+              <a:buNone/>
+              <a:defRPr sz="1800"/>
+            </a:lvl3pPr>
+            <a:lvl4pPr marL="1371600" indent="0" algn="ctr">
+              <a:buNone/>
+              <a:defRPr sz="1600"/>
+            </a:lvl4pPr>
+            <a:lvl5pPr marL="1828800" indent="0" algn="ctr">
+              <a:buNone/>
+              <a:defRPr sz="1600"/>
+            </a:lvl5pPr>
+            <a:lvl6pPr marL="2286000" indent="0" algn="ctr">
+              <a:buNone/>
+              <a:defRPr sz="1600"/>
+            </a:lvl6pPr>
+            <a:lvl7pPr marL="2743200" indent="0" algn="ctr">
+              <a:buNone/>
+              <a:defRPr sz="1600"/>
+            </a:lvl7pPr>
+            <a:lvl8pPr marL="3200400" indent="0" algn="ctr">
+              <a:buNone/>
+              <a:defRPr sz="1600"/>
+            </a:lvl8pPr>
+            <a:lvl9pPr marL="3657600" indent="0" algn="ctr">
+              <a:buNone/>
+              <a:defRPr sz="1600"/>
+            </a:lvl9pPr>
+          </a:lstStyle>
+          <a:p>
+            <a:pPr lvl="0"/>
+            <a:r>
+              <a:rPr kumimoji="1" lang="ja-JP" altLang="en-US"/>
+              <a:t>サブタイトル</a:t>
+            </a:r>
+            <a:r>
+              <a:rPr kumimoji="1" lang="en-US" altLang="ja-JP" dirty="0"/>
+              <a:t> </a:t>
+            </a:r>
+            <a:r>
+              <a:rPr kumimoji="1" lang="ja-JP" altLang="en-US"/>
+              <a:t>の書式設定</a:t>
+            </a:r>
+          </a:p>
+        </p:txBody>
+      </p:sp>
+      <p:sp>
+        <p:nvSpPr>
+          <p:cNvPr id="9" name="コンテンツ プレースホルダー 4">
+            <a:extLst>
+              <a:ext uri="{FF2B5EF4-FFF2-40B4-BE49-F238E27FC236}">
+                <a16:creationId xmlns:a16="http://schemas.microsoft.com/office/drawing/2014/main" id="{F0BC8EB0-D4E3-9417-4AAB-6A7778112940}"/>
+              </a:ext>
+            </a:extLst>
+          </p:cNvPr>
+          <p:cNvSpPr>
+            <a:spLocks noGrp="1"/>
+          </p:cNvSpPr>
+          <p:nvPr>
+            <p:ph sz="quarter" idx="14" hasCustomPrompt="1"/>
+          </p:nvPr>
+        </p:nvSpPr>
+        <p:spPr>
+          <a:xfrm>
+            <a:off x="10965176" y="178130"/>
+            <a:ext cx="914400" cy="914400"/>
+          </a:xfrm>
+        </p:spPr>
+        <p:txBody>
+          <a:bodyPr/>
+          <a:lstStyle>
+            <a:lvl1pPr marL="0" indent="0">
+              <a:buNone/>
+              <a:defRPr/>
+            </a:lvl1pPr>
+          </a:lstStyle>
+          <a:p>
+            <a:pPr lvl="0"/>
+            <a:r>
+              <a:rPr kumimoji="1" lang="en-US" altLang="ja-JP" dirty="0"/>
+              <a:t>logo</a:t>
+            </a:r>
+            <a:endParaRPr kumimoji="1" lang="ja-JP" altLang="en-US"/>
           </a:p>
         </p:txBody>
       </p:sp>
@@ -1412,10 +1535,10 @@
       </p:sp>
       <p:sp>
         <p:nvSpPr>
-          <p:cNvPr id="7" name="テキスト プレースホルダー 2">
+          <p:cNvPr id="5" name="字幕 2">
             <a:extLst>
               <a:ext uri="{FF2B5EF4-FFF2-40B4-BE49-F238E27FC236}">
-                <a16:creationId xmlns:a16="http://schemas.microsoft.com/office/drawing/2014/main" id="{40B7BDF7-6EDE-1FD7-BE01-05D3A80E542A}"/>
+                <a16:creationId xmlns:a16="http://schemas.microsoft.com/office/drawing/2014/main" id="{BC739F27-A820-A358-F2A4-B0876CFE8CED}"/>
               </a:ext>
             </a:extLst>
           </p:cNvPr>
@@ -1423,7 +1546,7 @@
             <a:spLocks noGrp="1"/>
           </p:cNvSpPr>
           <p:nvPr>
-            <p:ph type="body" idx="13"/>
+            <p:ph type="subTitle" idx="15" hasCustomPrompt="1"/>
           </p:nvPr>
         </p:nvSpPr>
         <p:spPr>
@@ -1433,108 +1556,64 @@
           </a:xfrm>
         </p:spPr>
         <p:txBody>
-          <a:bodyPr>
+          <a:bodyPr anchor="b">
             <a:normAutofit/>
           </a:bodyPr>
           <a:lstStyle>
-            <a:lvl1pPr marL="0" indent="0">
+            <a:lvl1pPr marL="0" indent="0" algn="l">
               <a:buNone/>
               <a:defRPr sz="1800">
                 <a:solidFill>
-                  <a:schemeClr val="tx1">
-                    <a:tint val="82000"/>
-                  </a:schemeClr>
+                  <a:srgbClr val="767676"/>
                 </a:solidFill>
-                <a:latin typeface="Meiryo UI" panose="020B0604030504040204" pitchFamily="34" charset="-128"/>
-                <a:ea typeface="Meiryo UI" panose="020B0604030504040204" pitchFamily="34" charset="-128"/>
               </a:defRPr>
             </a:lvl1pPr>
-            <a:lvl2pPr marL="457200" indent="0">
-              <a:buNone/>
-              <a:defRPr sz="2000">
-                <a:solidFill>
-                  <a:schemeClr val="tx1">
-                    <a:tint val="82000"/>
-                  </a:schemeClr>
-                </a:solidFill>
-              </a:defRPr>
+            <a:lvl2pPr marL="457200" indent="0" algn="ctr">
+              <a:buNone/>
+              <a:defRPr sz="2000"/>
             </a:lvl2pPr>
-            <a:lvl3pPr marL="914400" indent="0">
-              <a:buNone/>
-              <a:defRPr sz="1800">
-                <a:solidFill>
-                  <a:schemeClr val="tx1">
-                    <a:tint val="82000"/>
-                  </a:schemeClr>
-                </a:solidFill>
-              </a:defRPr>
+            <a:lvl3pPr marL="914400" indent="0" algn="ctr">
+              <a:buNone/>
+              <a:defRPr sz="1800"/>
             </a:lvl3pPr>
-            <a:lvl4pPr marL="1371600" indent="0">
-              <a:buNone/>
-              <a:defRPr sz="1600">
-                <a:solidFill>
-                  <a:schemeClr val="tx1">
-                    <a:tint val="82000"/>
-                  </a:schemeClr>
-                </a:solidFill>
-              </a:defRPr>
+            <a:lvl4pPr marL="1371600" indent="0" algn="ctr">
+              <a:buNone/>
+              <a:defRPr sz="1600"/>
             </a:lvl4pPr>
-            <a:lvl5pPr marL="1828800" indent="0">
-              <a:buNone/>
-              <a:defRPr sz="1600">
-                <a:solidFill>
-                  <a:schemeClr val="tx1">
-                    <a:tint val="82000"/>
-                  </a:schemeClr>
-                </a:solidFill>
-              </a:defRPr>
+            <a:lvl5pPr marL="1828800" indent="0" algn="ctr">
+              <a:buNone/>
+              <a:defRPr sz="1600"/>
             </a:lvl5pPr>
-            <a:lvl6pPr marL="2286000" indent="0">
-              <a:buNone/>
-              <a:defRPr sz="1600">
-                <a:solidFill>
-                  <a:schemeClr val="tx1">
-                    <a:tint val="82000"/>
-                  </a:schemeClr>
-                </a:solidFill>
-              </a:defRPr>
+            <a:lvl6pPr marL="2286000" indent="0" algn="ctr">
+              <a:buNone/>
+              <a:defRPr sz="1600"/>
             </a:lvl6pPr>
-            <a:lvl7pPr marL="2743200" indent="0">
-              <a:buNone/>
-              <a:defRPr sz="1600">
-                <a:solidFill>
-                  <a:schemeClr val="tx1">
-                    <a:tint val="82000"/>
-                  </a:schemeClr>
-                </a:solidFill>
-              </a:defRPr>
+            <a:lvl7pPr marL="2743200" indent="0" algn="ctr">
+              <a:buNone/>
+              <a:defRPr sz="1600"/>
             </a:lvl7pPr>
-            <a:lvl8pPr marL="3200400" indent="0">
-              <a:buNone/>
-              <a:defRPr sz="1600">
-                <a:solidFill>
-                  <a:schemeClr val="tx1">
-                    <a:tint val="82000"/>
-                  </a:schemeClr>
-                </a:solidFill>
-              </a:defRPr>
+            <a:lvl8pPr marL="3200400" indent="0" algn="ctr">
+              <a:buNone/>
+              <a:defRPr sz="1600"/>
             </a:lvl8pPr>
-            <a:lvl9pPr marL="3657600" indent="0">
-              <a:buNone/>
-              <a:defRPr sz="1600">
-                <a:solidFill>
-                  <a:schemeClr val="tx1">
-                    <a:tint val="82000"/>
-                  </a:schemeClr>
-                </a:solidFill>
-              </a:defRPr>
+            <a:lvl9pPr marL="3657600" indent="0" algn="ctr">
+              <a:buNone/>
+              <a:defRPr sz="1600"/>
             </a:lvl9pPr>
           </a:lstStyle>
           <a:p>
             <a:pPr lvl="0"/>
             <a:r>
               <a:rPr kumimoji="1" lang="ja-JP" altLang="en-US"/>
-              <a:t>マスター テキストの書式設定</a:t>
+              <a:t>サブタイトル</a:t>
+            </a:r>
+            <a:r>
+              <a:rPr kumimoji="1" lang="en-US" altLang="ja-JP" dirty="0"/>
+              <a:t> </a:t>
+            </a:r>
+            <a:r>
+              <a:rPr kumimoji="1" lang="ja-JP" altLang="en-US"/>
+              <a:t>の書式設定</a:t>
             </a:r>
           </a:p>
         </p:txBody>
@@ -1897,10 +1976,10 @@
       </p:sp>
       <p:sp>
         <p:nvSpPr>
-          <p:cNvPr id="5" name="テキスト プレースホルダー 2">
+          <p:cNvPr id="7" name="字幕 2">
             <a:extLst>
               <a:ext uri="{FF2B5EF4-FFF2-40B4-BE49-F238E27FC236}">
-                <a16:creationId xmlns:a16="http://schemas.microsoft.com/office/drawing/2014/main" id="{74E956C9-F090-F685-3781-B5F10A85E325}"/>
+                <a16:creationId xmlns:a16="http://schemas.microsoft.com/office/drawing/2014/main" id="{1637E228-8434-900D-0254-AF837975524B}"/>
               </a:ext>
             </a:extLst>
           </p:cNvPr>
@@ -1908,7 +1987,7 @@
             <a:spLocks noGrp="1"/>
           </p:cNvSpPr>
           <p:nvPr>
-            <p:ph type="body" idx="13"/>
+            <p:ph type="subTitle" idx="15" hasCustomPrompt="1"/>
           </p:nvPr>
         </p:nvSpPr>
         <p:spPr>
@@ -1918,108 +1997,64 @@
           </a:xfrm>
         </p:spPr>
         <p:txBody>
-          <a:bodyPr>
+          <a:bodyPr anchor="b">
             <a:normAutofit/>
           </a:bodyPr>
           <a:lstStyle>
-            <a:lvl1pPr marL="0" indent="0">
+            <a:lvl1pPr marL="0" indent="0" algn="l">
               <a:buNone/>
               <a:defRPr sz="1800">
                 <a:solidFill>
-                  <a:schemeClr val="tx1">
-                    <a:tint val="82000"/>
-                  </a:schemeClr>
+                  <a:srgbClr val="767676"/>
                 </a:solidFill>
-                <a:latin typeface="Meiryo UI" panose="020B0604030504040204" pitchFamily="34" charset="-128"/>
-                <a:ea typeface="Meiryo UI" panose="020B0604030504040204" pitchFamily="34" charset="-128"/>
               </a:defRPr>
             </a:lvl1pPr>
-            <a:lvl2pPr marL="457200" indent="0">
-              <a:buNone/>
-              <a:defRPr sz="2000">
-                <a:solidFill>
-                  <a:schemeClr val="tx1">
-                    <a:tint val="82000"/>
-                  </a:schemeClr>
-                </a:solidFill>
-              </a:defRPr>
+            <a:lvl2pPr marL="457200" indent="0" algn="ctr">
+              <a:buNone/>
+              <a:defRPr sz="2000"/>
             </a:lvl2pPr>
-            <a:lvl3pPr marL="914400" indent="0">
-              <a:buNone/>
-              <a:defRPr sz="1800">
-                <a:solidFill>
-                  <a:schemeClr val="tx1">
-                    <a:tint val="82000"/>
-                  </a:schemeClr>
-                </a:solidFill>
-              </a:defRPr>
+            <a:lvl3pPr marL="914400" indent="0" algn="ctr">
+              <a:buNone/>
+              <a:defRPr sz="1800"/>
             </a:lvl3pPr>
-            <a:lvl4pPr marL="1371600" indent="0">
-              <a:buNone/>
-              <a:defRPr sz="1600">
-                <a:solidFill>
-                  <a:schemeClr val="tx1">
-                    <a:tint val="82000"/>
-                  </a:schemeClr>
-                </a:solidFill>
-              </a:defRPr>
+            <a:lvl4pPr marL="1371600" indent="0" algn="ctr">
+              <a:buNone/>
+              <a:defRPr sz="1600"/>
             </a:lvl4pPr>
-            <a:lvl5pPr marL="1828800" indent="0">
-              <a:buNone/>
-              <a:defRPr sz="1600">
-                <a:solidFill>
-                  <a:schemeClr val="tx1">
-                    <a:tint val="82000"/>
-                  </a:schemeClr>
-                </a:solidFill>
-              </a:defRPr>
+            <a:lvl5pPr marL="1828800" indent="0" algn="ctr">
+              <a:buNone/>
+              <a:defRPr sz="1600"/>
             </a:lvl5pPr>
-            <a:lvl6pPr marL="2286000" indent="0">
-              <a:buNone/>
-              <a:defRPr sz="1600">
-                <a:solidFill>
-                  <a:schemeClr val="tx1">
-                    <a:tint val="82000"/>
-                  </a:schemeClr>
-                </a:solidFill>
-              </a:defRPr>
+            <a:lvl6pPr marL="2286000" indent="0" algn="ctr">
+              <a:buNone/>
+              <a:defRPr sz="1600"/>
             </a:lvl6pPr>
-            <a:lvl7pPr marL="2743200" indent="0">
-              <a:buNone/>
-              <a:defRPr sz="1600">
-                <a:solidFill>
-                  <a:schemeClr val="tx1">
-                    <a:tint val="82000"/>
-                  </a:schemeClr>
-                </a:solidFill>
-              </a:defRPr>
+            <a:lvl7pPr marL="2743200" indent="0" algn="ctr">
+              <a:buNone/>
+              <a:defRPr sz="1600"/>
             </a:lvl7pPr>
-            <a:lvl8pPr marL="3200400" indent="0">
-              <a:buNone/>
-              <a:defRPr sz="1600">
-                <a:solidFill>
-                  <a:schemeClr val="tx1">
-                    <a:tint val="82000"/>
-                  </a:schemeClr>
-                </a:solidFill>
-              </a:defRPr>
+            <a:lvl8pPr marL="3200400" indent="0" algn="ctr">
+              <a:buNone/>
+              <a:defRPr sz="1600"/>
             </a:lvl8pPr>
-            <a:lvl9pPr marL="3657600" indent="0">
-              <a:buNone/>
-              <a:defRPr sz="1600">
-                <a:solidFill>
-                  <a:schemeClr val="tx1">
-                    <a:tint val="82000"/>
-                  </a:schemeClr>
-                </a:solidFill>
-              </a:defRPr>
+            <a:lvl9pPr marL="3657600" indent="0" algn="ctr">
+              <a:buNone/>
+              <a:defRPr sz="1600"/>
             </a:lvl9pPr>
           </a:lstStyle>
           <a:p>
             <a:pPr lvl="0"/>
             <a:r>
               <a:rPr kumimoji="1" lang="ja-JP" altLang="en-US"/>
-              <a:t>マスター テキストの書式設定</a:t>
+              <a:t>サブタイトル</a:t>
+            </a:r>
+            <a:r>
+              <a:rPr kumimoji="1" lang="en-US" altLang="ja-JP" dirty="0"/>
+              <a:t> </a:t>
+            </a:r>
+            <a:r>
+              <a:rPr kumimoji="1" lang="ja-JP" altLang="en-US"/>
+              <a:t>の書式設定</a:t>
             </a:r>
           </a:p>
         </p:txBody>
@@ -2255,10 +2290,10 @@
       </p:sp>
       <p:sp>
         <p:nvSpPr>
-          <p:cNvPr id="5" name="テキスト プレースホルダー 2">
+          <p:cNvPr id="4" name="字幕 2">
             <a:extLst>
               <a:ext uri="{FF2B5EF4-FFF2-40B4-BE49-F238E27FC236}">
-                <a16:creationId xmlns:a16="http://schemas.microsoft.com/office/drawing/2014/main" id="{74E956C9-F090-F685-3781-B5F10A85E325}"/>
+                <a16:creationId xmlns:a16="http://schemas.microsoft.com/office/drawing/2014/main" id="{2238D88A-EC8C-13E2-E5D1-E68433D47AB0}"/>
               </a:ext>
             </a:extLst>
           </p:cNvPr>
@@ -2266,7 +2301,7 @@
             <a:spLocks noGrp="1"/>
           </p:cNvSpPr>
           <p:nvPr>
-            <p:ph type="body" idx="13"/>
+            <p:ph type="subTitle" idx="16" hasCustomPrompt="1"/>
           </p:nvPr>
         </p:nvSpPr>
         <p:spPr>
@@ -2276,118 +2311,74 @@
           </a:xfrm>
         </p:spPr>
         <p:txBody>
-          <a:bodyPr>
+          <a:bodyPr anchor="b">
             <a:normAutofit/>
           </a:bodyPr>
           <a:lstStyle>
-            <a:lvl1pPr marL="0" indent="0">
+            <a:lvl1pPr marL="0" indent="0" algn="l">
               <a:buNone/>
               <a:defRPr sz="1800">
                 <a:solidFill>
-                  <a:schemeClr val="tx1">
-                    <a:tint val="82000"/>
-                  </a:schemeClr>
+                  <a:srgbClr val="767676"/>
                 </a:solidFill>
-                <a:latin typeface="Meiryo UI" panose="020B0604030504040204" pitchFamily="34" charset="-128"/>
-                <a:ea typeface="Meiryo UI" panose="020B0604030504040204" pitchFamily="34" charset="-128"/>
               </a:defRPr>
             </a:lvl1pPr>
-            <a:lvl2pPr marL="457200" indent="0">
-              <a:buNone/>
-              <a:defRPr sz="2000">
-                <a:solidFill>
-                  <a:schemeClr val="tx1">
-                    <a:tint val="82000"/>
-                  </a:schemeClr>
-                </a:solidFill>
-              </a:defRPr>
+            <a:lvl2pPr marL="457200" indent="0" algn="ctr">
+              <a:buNone/>
+              <a:defRPr sz="2000"/>
             </a:lvl2pPr>
-            <a:lvl3pPr marL="914400" indent="0">
-              <a:buNone/>
-              <a:defRPr sz="1800">
-                <a:solidFill>
-                  <a:schemeClr val="tx1">
-                    <a:tint val="82000"/>
-                  </a:schemeClr>
-                </a:solidFill>
-              </a:defRPr>
+            <a:lvl3pPr marL="914400" indent="0" algn="ctr">
+              <a:buNone/>
+              <a:defRPr sz="1800"/>
             </a:lvl3pPr>
-            <a:lvl4pPr marL="1371600" indent="0">
-              <a:buNone/>
-              <a:defRPr sz="1600">
-                <a:solidFill>
-                  <a:schemeClr val="tx1">
-                    <a:tint val="82000"/>
-                  </a:schemeClr>
-                </a:solidFill>
-              </a:defRPr>
+            <a:lvl4pPr marL="1371600" indent="0" algn="ctr">
+              <a:buNone/>
+              <a:defRPr sz="1600"/>
             </a:lvl4pPr>
-            <a:lvl5pPr marL="1828800" indent="0">
-              <a:buNone/>
-              <a:defRPr sz="1600">
-                <a:solidFill>
-                  <a:schemeClr val="tx1">
-                    <a:tint val="82000"/>
-                  </a:schemeClr>
-                </a:solidFill>
-              </a:defRPr>
+            <a:lvl5pPr marL="1828800" indent="0" algn="ctr">
+              <a:buNone/>
+              <a:defRPr sz="1600"/>
             </a:lvl5pPr>
-            <a:lvl6pPr marL="2286000" indent="0">
-              <a:buNone/>
-              <a:defRPr sz="1600">
-                <a:solidFill>
-                  <a:schemeClr val="tx1">
-                    <a:tint val="82000"/>
-                  </a:schemeClr>
-                </a:solidFill>
-              </a:defRPr>
+            <a:lvl6pPr marL="2286000" indent="0" algn="ctr">
+              <a:buNone/>
+              <a:defRPr sz="1600"/>
             </a:lvl6pPr>
-            <a:lvl7pPr marL="2743200" indent="0">
-              <a:buNone/>
-              <a:defRPr sz="1600">
-                <a:solidFill>
-                  <a:schemeClr val="tx1">
-                    <a:tint val="82000"/>
-                  </a:schemeClr>
-                </a:solidFill>
-              </a:defRPr>
+            <a:lvl7pPr marL="2743200" indent="0" algn="ctr">
+              <a:buNone/>
+              <a:defRPr sz="1600"/>
             </a:lvl7pPr>
-            <a:lvl8pPr marL="3200400" indent="0">
-              <a:buNone/>
-              <a:defRPr sz="1600">
-                <a:solidFill>
-                  <a:schemeClr val="tx1">
-                    <a:tint val="82000"/>
-                  </a:schemeClr>
-                </a:solidFill>
-              </a:defRPr>
+            <a:lvl8pPr marL="3200400" indent="0" algn="ctr">
+              <a:buNone/>
+              <a:defRPr sz="1600"/>
             </a:lvl8pPr>
-            <a:lvl9pPr marL="3657600" indent="0">
-              <a:buNone/>
-              <a:defRPr sz="1600">
-                <a:solidFill>
-                  <a:schemeClr val="tx1">
-                    <a:tint val="82000"/>
-                  </a:schemeClr>
-                </a:solidFill>
-              </a:defRPr>
+            <a:lvl9pPr marL="3657600" indent="0" algn="ctr">
+              <a:buNone/>
+              <a:defRPr sz="1600"/>
             </a:lvl9pPr>
           </a:lstStyle>
           <a:p>
             <a:pPr lvl="0"/>
             <a:r>
               <a:rPr kumimoji="1" lang="ja-JP" altLang="en-US"/>
-              <a:t>マスター テキストの書式設定</a:t>
-            </a:r>
-          </a:p>
-        </p:txBody>
-      </p:sp>
-      <p:sp>
-        <p:nvSpPr>
-          <p:cNvPr id="10" name="コンテンツ プレースホルダー 9">
+              <a:t>サブタイトル</a:t>
+            </a:r>
+            <a:r>
+              <a:rPr kumimoji="1" lang="en-US" altLang="ja-JP" dirty="0"/>
+              <a:t> </a:t>
+            </a:r>
+            <a:r>
+              <a:rPr kumimoji="1" lang="ja-JP" altLang="en-US"/>
+              <a:t>の書式設定</a:t>
+            </a:r>
+          </a:p>
+        </p:txBody>
+      </p:sp>
+      <p:sp>
+        <p:nvSpPr>
+          <p:cNvPr id="7" name="コンテンツ プレースホルダー 4">
             <a:extLst>
               <a:ext uri="{FF2B5EF4-FFF2-40B4-BE49-F238E27FC236}">
-                <a16:creationId xmlns:a16="http://schemas.microsoft.com/office/drawing/2014/main" id="{CB7DB00F-278C-DB27-85FE-3DA874CE2ACC}"/>
+                <a16:creationId xmlns:a16="http://schemas.microsoft.com/office/drawing/2014/main" id="{E016B53F-B8D3-0D88-2D0A-C239AE719669}"/>
               </a:ext>
             </a:extLst>
           </p:cNvPr>
@@ -2395,13 +2386,13 @@
             <a:spLocks noGrp="1"/>
           </p:cNvSpPr>
           <p:nvPr>
-            <p:ph sz="quarter" idx="15" hasCustomPrompt="1"/>
+            <p:ph sz="quarter" idx="14" hasCustomPrompt="1"/>
           </p:nvPr>
         </p:nvSpPr>
         <p:spPr>
           <a:xfrm>
-            <a:off x="10239022" y="4888089"/>
-            <a:ext cx="1321330" cy="1036902"/>
+            <a:off x="10965176" y="5262563"/>
+            <a:ext cx="914400" cy="914400"/>
           </a:xfrm>
         </p:spPr>
         <p:txBody>
@@ -2437,7 +2428,7 @@
 
 <file path=ppt/slideLayouts/slideLayout6.xml><?xml version="1.0" encoding="utf-8"?>
 <p:sldLayout xmlns:a="http://schemas.openxmlformats.org/drawingml/2006/main" xmlns:r="http://schemas.openxmlformats.org/officeDocument/2006/relationships" xmlns:p="http://schemas.openxmlformats.org/presentationml/2006/main" preserve="1" userDrawn="1">
-  <p:cSld name="1_color">
+  <p:cSld name="_bk">
     <p:spTree>
       <p:nvGrpSpPr>
         <p:cNvPr id="1" name=""/>
@@ -2812,10 +2803,10 @@
       </p:sp>
       <p:sp>
         <p:nvSpPr>
-          <p:cNvPr id="10" name="テキスト プレースホルダー 2">
+          <p:cNvPr id="7" name="字幕 2">
             <a:extLst>
               <a:ext uri="{FF2B5EF4-FFF2-40B4-BE49-F238E27FC236}">
-                <a16:creationId xmlns:a16="http://schemas.microsoft.com/office/drawing/2014/main" id="{DE1636C1-00D4-4103-3E74-73A327AD6CE5}"/>
+                <a16:creationId xmlns:a16="http://schemas.microsoft.com/office/drawing/2014/main" id="{BBCFCD4E-923C-D79E-C6C6-9C46247B1AFC}"/>
               </a:ext>
             </a:extLst>
           </p:cNvPr>
@@ -2823,7 +2814,7 @@
             <a:spLocks noGrp="1"/>
           </p:cNvSpPr>
           <p:nvPr>
-            <p:ph type="body" idx="13"/>
+            <p:ph type="subTitle" idx="15" hasCustomPrompt="1"/>
           </p:nvPr>
         </p:nvSpPr>
         <p:spPr>
@@ -2833,108 +2824,64 @@
           </a:xfrm>
         </p:spPr>
         <p:txBody>
-          <a:bodyPr>
+          <a:bodyPr anchor="b">
             <a:normAutofit/>
           </a:bodyPr>
           <a:lstStyle>
-            <a:lvl1pPr marL="0" indent="0">
+            <a:lvl1pPr marL="0" indent="0" algn="l">
               <a:buNone/>
               <a:defRPr sz="1800">
                 <a:solidFill>
-                  <a:schemeClr val="tx1">
-                    <a:tint val="82000"/>
-                  </a:schemeClr>
+                  <a:srgbClr val="767676"/>
                 </a:solidFill>
-                <a:latin typeface="Meiryo UI" panose="020B0604030504040204" pitchFamily="34" charset="-128"/>
-                <a:ea typeface="Meiryo UI" panose="020B0604030504040204" pitchFamily="34" charset="-128"/>
               </a:defRPr>
             </a:lvl1pPr>
-            <a:lvl2pPr marL="457200" indent="0">
-              <a:buNone/>
-              <a:defRPr sz="2000">
-                <a:solidFill>
-                  <a:schemeClr val="tx1">
-                    <a:tint val="82000"/>
-                  </a:schemeClr>
-                </a:solidFill>
-              </a:defRPr>
+            <a:lvl2pPr marL="457200" indent="0" algn="ctr">
+              <a:buNone/>
+              <a:defRPr sz="2000"/>
             </a:lvl2pPr>
-            <a:lvl3pPr marL="914400" indent="0">
-              <a:buNone/>
-              <a:defRPr sz="1800">
-                <a:solidFill>
-                  <a:schemeClr val="tx1">
-                    <a:tint val="82000"/>
-                  </a:schemeClr>
-                </a:solidFill>
-              </a:defRPr>
+            <a:lvl3pPr marL="914400" indent="0" algn="ctr">
+              <a:buNone/>
+              <a:defRPr sz="1800"/>
             </a:lvl3pPr>
-            <a:lvl4pPr marL="1371600" indent="0">
-              <a:buNone/>
-              <a:defRPr sz="1600">
-                <a:solidFill>
-                  <a:schemeClr val="tx1">
-                    <a:tint val="82000"/>
-                  </a:schemeClr>
-                </a:solidFill>
-              </a:defRPr>
+            <a:lvl4pPr marL="1371600" indent="0" algn="ctr">
+              <a:buNone/>
+              <a:defRPr sz="1600"/>
             </a:lvl4pPr>
-            <a:lvl5pPr marL="1828800" indent="0">
-              <a:buNone/>
-              <a:defRPr sz="1600">
-                <a:solidFill>
-                  <a:schemeClr val="tx1">
-                    <a:tint val="82000"/>
-                  </a:schemeClr>
-                </a:solidFill>
-              </a:defRPr>
+            <a:lvl5pPr marL="1828800" indent="0" algn="ctr">
+              <a:buNone/>
+              <a:defRPr sz="1600"/>
             </a:lvl5pPr>
-            <a:lvl6pPr marL="2286000" indent="0">
-              <a:buNone/>
-              <a:defRPr sz="1600">
-                <a:solidFill>
-                  <a:schemeClr val="tx1">
-                    <a:tint val="82000"/>
-                  </a:schemeClr>
-                </a:solidFill>
-              </a:defRPr>
+            <a:lvl6pPr marL="2286000" indent="0" algn="ctr">
+              <a:buNone/>
+              <a:defRPr sz="1600"/>
             </a:lvl6pPr>
-            <a:lvl7pPr marL="2743200" indent="0">
-              <a:buNone/>
-              <a:defRPr sz="1600">
-                <a:solidFill>
-                  <a:schemeClr val="tx1">
-                    <a:tint val="82000"/>
-                  </a:schemeClr>
-                </a:solidFill>
-              </a:defRPr>
+            <a:lvl7pPr marL="2743200" indent="0" algn="ctr">
+              <a:buNone/>
+              <a:defRPr sz="1600"/>
             </a:lvl7pPr>
-            <a:lvl8pPr marL="3200400" indent="0">
-              <a:buNone/>
-              <a:defRPr sz="1600">
-                <a:solidFill>
-                  <a:schemeClr val="tx1">
-                    <a:tint val="82000"/>
-                  </a:schemeClr>
-                </a:solidFill>
-              </a:defRPr>
+            <a:lvl8pPr marL="3200400" indent="0" algn="ctr">
+              <a:buNone/>
+              <a:defRPr sz="1600"/>
             </a:lvl8pPr>
-            <a:lvl9pPr marL="3657600" indent="0">
-              <a:buNone/>
-              <a:defRPr sz="1600">
-                <a:solidFill>
-                  <a:schemeClr val="tx1">
-                    <a:tint val="82000"/>
-                  </a:schemeClr>
-                </a:solidFill>
-              </a:defRPr>
+            <a:lvl9pPr marL="3657600" indent="0" algn="ctr">
+              <a:buNone/>
+              <a:defRPr sz="1600"/>
             </a:lvl9pPr>
           </a:lstStyle>
           <a:p>
             <a:pPr lvl="0"/>
             <a:r>
               <a:rPr kumimoji="1" lang="ja-JP" altLang="en-US"/>
-              <a:t>マスター テキストの書式設定</a:t>
+              <a:t>サブタイトル</a:t>
+            </a:r>
+            <a:r>
+              <a:rPr kumimoji="1" lang="en-US" altLang="ja-JP" dirty="0"/>
+              <a:t> </a:t>
+            </a:r>
+            <a:r>
+              <a:rPr kumimoji="1" lang="ja-JP" altLang="en-US"/>
+              <a:t>の書式設定</a:t>
             </a:r>
           </a:p>
         </p:txBody>
@@ -3504,111 +3451,6 @@
     </p:otherStyle>
   </p:txStyles>
 </p:sldMaster>
-</file>
-
-<file path=ppt/slides/slide1.xml><?xml version="1.0" encoding="utf-8"?>
-<p:sld xmlns:a="http://schemas.openxmlformats.org/drawingml/2006/main" xmlns:r="http://schemas.openxmlformats.org/officeDocument/2006/relationships" xmlns:p="http://schemas.openxmlformats.org/presentationml/2006/main">
-  <p:cSld>
-    <p:spTree>
-      <p:nvGrpSpPr>
-        <p:cNvPr id="1" name=""/>
-        <p:cNvGrpSpPr/>
-        <p:nvPr/>
-      </p:nvGrpSpPr>
-      <p:grpSpPr>
-        <a:xfrm>
-          <a:off x="0" y="0"/>
-          <a:ext cx="0" cy="0"/>
-          <a:chOff x="0" y="0"/>
-          <a:chExt cx="0" cy="0"/>
-        </a:xfrm>
-      </p:grpSpPr>
-      <p:sp>
-        <p:nvSpPr>
-          <p:cNvPr id="2" name="タイトル 1">
-            <a:extLst>
-              <a:ext uri="{FF2B5EF4-FFF2-40B4-BE49-F238E27FC236}">
-                <a16:creationId xmlns:a16="http://schemas.microsoft.com/office/drawing/2014/main" id="{48C41E59-D23B-9B1C-0D9D-9A2B9B16BB69}"/>
-              </a:ext>
-            </a:extLst>
-          </p:cNvPr>
-          <p:cNvSpPr>
-            <a:spLocks noGrp="1"/>
-          </p:cNvSpPr>
-          <p:nvPr>
-            <p:ph type="ctrTitle"/>
-          </p:nvPr>
-        </p:nvSpPr>
-        <p:spPr/>
-        <p:txBody>
-          <a:bodyPr/>
-          <a:lstStyle/>
-          <a:p>
-            <a:endParaRPr kumimoji="1" lang="ja-JP" altLang="en-US"/>
-          </a:p>
-        </p:txBody>
-      </p:sp>
-      <p:sp>
-        <p:nvSpPr>
-          <p:cNvPr id="3" name="字幕 2">
-            <a:extLst>
-              <a:ext uri="{FF2B5EF4-FFF2-40B4-BE49-F238E27FC236}">
-                <a16:creationId xmlns:a16="http://schemas.microsoft.com/office/drawing/2014/main" id="{B69D726B-ECC0-AEE7-AB75-B35607AD8952}"/>
-              </a:ext>
-            </a:extLst>
-          </p:cNvPr>
-          <p:cNvSpPr>
-            <a:spLocks noGrp="1"/>
-          </p:cNvSpPr>
-          <p:nvPr>
-            <p:ph type="subTitle" idx="1"/>
-          </p:nvPr>
-        </p:nvSpPr>
-        <p:spPr/>
-        <p:txBody>
-          <a:bodyPr/>
-          <a:lstStyle/>
-          <a:p>
-            <a:endParaRPr kumimoji="1" lang="ja-JP" altLang="en-US"/>
-          </a:p>
-        </p:txBody>
-      </p:sp>
-      <p:sp>
-        <p:nvSpPr>
-          <p:cNvPr id="4" name="テキスト プレースホルダー 3">
-            <a:extLst>
-              <a:ext uri="{FF2B5EF4-FFF2-40B4-BE49-F238E27FC236}">
-                <a16:creationId xmlns:a16="http://schemas.microsoft.com/office/drawing/2014/main" id="{56FBA02A-130D-D702-0F27-DDB520436AFC}"/>
-              </a:ext>
-            </a:extLst>
-          </p:cNvPr>
-          <p:cNvSpPr>
-            <a:spLocks noGrp="1"/>
-          </p:cNvSpPr>
-          <p:nvPr>
-            <p:ph type="body" idx="13"/>
-          </p:nvPr>
-        </p:nvSpPr>
-        <p:spPr/>
-        <p:txBody>
-          <a:bodyPr/>
-          <a:lstStyle/>
-          <a:p>
-            <a:endParaRPr kumimoji="1" lang="ja-JP" altLang="en-US"/>
-          </a:p>
-        </p:txBody>
-      </p:sp>
-    </p:spTree>
-    <p:extLst>
-      <p:ext uri="{BB962C8B-B14F-4D97-AF65-F5344CB8AC3E}">
-        <p14:creationId xmlns:p14="http://schemas.microsoft.com/office/powerpoint/2010/main" val="2622301429"/>
-      </p:ext>
-    </p:extLst>
-  </p:cSld>
-  <p:clrMapOvr>
-    <a:masterClrMapping/>
-  </p:clrMapOvr>
-</p:sld>
 </file>
 
 <file path=ppt/theme/theme1.xml><?xml version="1.0" encoding="utf-8"?>
